--- a/Bold Blue Modern Accounting Platform Dashboard Desktop Prototype.pptx
+++ b/Bold Blue Modern Accounting Platform Dashboard Desktop Prototype.pptx
@@ -12,39 +12,32 @@
   <p:notesSz cx="6858000" cy="9144000"/>
   <p:embeddedFontLst>
     <p:embeddedFont>
-      <p:font typeface="Calibri" panose="020F0502020204030204" pitchFamily="34" charset="0"/>
+      <p:font typeface="Lato Heavy" panose="020B0604020202020204" charset="0"/>
       <p:regular r:id="rId4"/>
-      <p:bold r:id="rId5"/>
-      <p:italic r:id="rId6"/>
-      <p:boldItalic r:id="rId7"/>
     </p:embeddedFont>
     <p:embeddedFont>
-      <p:font typeface="Lato Heavy" panose="020B0604020202020204" charset="0"/>
+      <p:font typeface="Poppins" panose="00000500000000000000" pitchFamily="2" charset="0"/>
+      <p:regular r:id="rId5"/>
+    </p:embeddedFont>
+    <p:embeddedFont>
+      <p:font typeface="Poppins Italics" panose="020B0604020202020204" charset="0"/>
+      <p:regular r:id="rId6"/>
+    </p:embeddedFont>
+    <p:embeddedFont>
+      <p:font typeface="Poppins Light" panose="00000400000000000000" pitchFamily="2" charset="0"/>
+      <p:regular r:id="rId7"/>
+    </p:embeddedFont>
+    <p:embeddedFont>
+      <p:font typeface="Poppins Medium" panose="00000600000000000000" pitchFamily="2" charset="0"/>
       <p:regular r:id="rId8"/>
     </p:embeddedFont>
     <p:embeddedFont>
-      <p:font typeface="Poppins" panose="00000500000000000000" pitchFamily="2" charset="0"/>
+      <p:font typeface="Poppins Semi-Bold" panose="020B0604020202020204" charset="0"/>
       <p:regular r:id="rId9"/>
     </p:embeddedFont>
     <p:embeddedFont>
-      <p:font typeface="Poppins Italics" panose="020B0604020202020204" charset="0"/>
+      <p:font typeface="Sukar Heavy" panose="020B0604020202020204" charset="0"/>
       <p:regular r:id="rId10"/>
-    </p:embeddedFont>
-    <p:embeddedFont>
-      <p:font typeface="Poppins Light" panose="00000400000000000000" pitchFamily="2" charset="0"/>
-      <p:regular r:id="rId11"/>
-    </p:embeddedFont>
-    <p:embeddedFont>
-      <p:font typeface="Poppins Medium" panose="00000600000000000000" pitchFamily="2" charset="0"/>
-      <p:regular r:id="rId12"/>
-    </p:embeddedFont>
-    <p:embeddedFont>
-      <p:font typeface="Poppins Semi-Bold" panose="020B0604020202020204" charset="0"/>
-      <p:regular r:id="rId13"/>
-    </p:embeddedFont>
-    <p:embeddedFont>
-      <p:font typeface="Sukar Heavy" panose="020B0604020202020204" charset="0"/>
-      <p:regular r:id="rId14"/>
     </p:embeddedFont>
   </p:embeddedFontLst>
   <p:defaultTextStyle>
@@ -341,7 +334,7 @@
             <a:fld id="{1D8BD707-D9CF-40AE-B4C6-C98DA3205C09}" type="datetimeFigureOut">
               <a:rPr lang="en-US" smtClean="0"/>
               <a:pPr/>
-              <a:t>1/22/2025</a:t>
+              <a:t>1/23/2025</a:t>
             </a:fld>
             <a:endParaRPr lang="en-US"/>
           </a:p>
@@ -506,7 +499,7 @@
             <a:fld id="{1D8BD707-D9CF-40AE-B4C6-C98DA3205C09}" type="datetimeFigureOut">
               <a:rPr lang="en-US" smtClean="0"/>
               <a:pPr/>
-              <a:t>1/22/2025</a:t>
+              <a:t>1/23/2025</a:t>
             </a:fld>
             <a:endParaRPr lang="en-US"/>
           </a:p>
@@ -681,7 +674,7 @@
             <a:fld id="{1D8BD707-D9CF-40AE-B4C6-C98DA3205C09}" type="datetimeFigureOut">
               <a:rPr lang="en-US" smtClean="0"/>
               <a:pPr/>
-              <a:t>1/22/2025</a:t>
+              <a:t>1/23/2025</a:t>
             </a:fld>
             <a:endParaRPr lang="en-US"/>
           </a:p>
@@ -846,7 +839,7 @@
             <a:fld id="{1D8BD707-D9CF-40AE-B4C6-C98DA3205C09}" type="datetimeFigureOut">
               <a:rPr lang="en-US" smtClean="0"/>
               <a:pPr/>
-              <a:t>1/22/2025</a:t>
+              <a:t>1/23/2025</a:t>
             </a:fld>
             <a:endParaRPr lang="en-US"/>
           </a:p>
@@ -1088,7 +1081,7 @@
             <a:fld id="{1D8BD707-D9CF-40AE-B4C6-C98DA3205C09}" type="datetimeFigureOut">
               <a:rPr lang="en-US" smtClean="0"/>
               <a:pPr/>
-              <a:t>1/22/2025</a:t>
+              <a:t>1/23/2025</a:t>
             </a:fld>
             <a:endParaRPr lang="en-US"/>
           </a:p>
@@ -1370,7 +1363,7 @@
             <a:fld id="{1D8BD707-D9CF-40AE-B4C6-C98DA3205C09}" type="datetimeFigureOut">
               <a:rPr lang="en-US" smtClean="0"/>
               <a:pPr/>
-              <a:t>1/22/2025</a:t>
+              <a:t>1/23/2025</a:t>
             </a:fld>
             <a:endParaRPr lang="en-US"/>
           </a:p>
@@ -1786,7 +1779,7 @@
             <a:fld id="{1D8BD707-D9CF-40AE-B4C6-C98DA3205C09}" type="datetimeFigureOut">
               <a:rPr lang="en-US" smtClean="0"/>
               <a:pPr/>
-              <a:t>1/22/2025</a:t>
+              <a:t>1/23/2025</a:t>
             </a:fld>
             <a:endParaRPr lang="en-US"/>
           </a:p>
@@ -1900,7 +1893,7 @@
             <a:fld id="{1D8BD707-D9CF-40AE-B4C6-C98DA3205C09}" type="datetimeFigureOut">
               <a:rPr lang="en-US" smtClean="0"/>
               <a:pPr/>
-              <a:t>1/22/2025</a:t>
+              <a:t>1/23/2025</a:t>
             </a:fld>
             <a:endParaRPr lang="en-US"/>
           </a:p>
@@ -1992,7 +1985,7 @@
             <a:fld id="{1D8BD707-D9CF-40AE-B4C6-C98DA3205C09}" type="datetimeFigureOut">
               <a:rPr lang="en-US" smtClean="0"/>
               <a:pPr/>
-              <a:t>1/22/2025</a:t>
+              <a:t>1/23/2025</a:t>
             </a:fld>
             <a:endParaRPr lang="en-US"/>
           </a:p>
@@ -2264,7 +2257,7 @@
             <a:fld id="{1D8BD707-D9CF-40AE-B4C6-C98DA3205C09}" type="datetimeFigureOut">
               <a:rPr lang="en-US" smtClean="0"/>
               <a:pPr/>
-              <a:t>1/22/2025</a:t>
+              <a:t>1/23/2025</a:t>
             </a:fld>
             <a:endParaRPr lang="en-US"/>
           </a:p>
@@ -2513,7 +2506,7 @@
             <a:fld id="{1D8BD707-D9CF-40AE-B4C6-C98DA3205C09}" type="datetimeFigureOut">
               <a:rPr lang="en-US" smtClean="0"/>
               <a:pPr/>
-              <a:t>1/22/2025</a:t>
+              <a:t>1/23/2025</a:t>
             </a:fld>
             <a:endParaRPr lang="en-US"/>
           </a:p>
@@ -2721,7 +2714,7 @@
             <a:fld id="{1D8BD707-D9CF-40AE-B4C6-C98DA3205C09}" type="datetimeFigureOut">
               <a:rPr lang="en-US" smtClean="0"/>
               <a:pPr/>
-              <a:t>1/22/2025</a:t>
+              <a:t>1/23/2025</a:t>
             </a:fld>
             <a:endParaRPr lang="en-US"/>
           </a:p>
@@ -3153,6 +3146,13 @@
               <a:srgbClr val="252525"/>
             </a:solidFill>
           </p:spPr>
+          <p:txBody>
+            <a:bodyPr/>
+            <a:lstStyle/>
+            <a:p>
+              <a:endParaRPr lang="en-PH"/>
+            </a:p>
+          </p:txBody>
         </p:sp>
         <p:sp>
           <p:nvSpPr>
@@ -3234,6 +3234,13 @@
             </a:stretch>
           </a:blipFill>
         </p:spPr>
+        <p:txBody>
+          <a:bodyPr/>
+          <a:lstStyle/>
+          <a:p>
+            <a:endParaRPr lang="en-PH"/>
+          </a:p>
+        </p:txBody>
       </p:sp>
       <p:sp>
         <p:nvSpPr>
@@ -3286,6 +3293,13 @@
             </a:stretch>
           </a:blipFill>
         </p:spPr>
+        <p:txBody>
+          <a:bodyPr/>
+          <a:lstStyle/>
+          <a:p>
+            <a:endParaRPr lang="en-PH"/>
+          </a:p>
+        </p:txBody>
       </p:sp>
       <p:grpSp>
         <p:nvGrpSpPr>
@@ -3395,6 +3409,13 @@
               <a:lin ang="2700000"/>
             </a:gradFill>
           </p:spPr>
+          <p:txBody>
+            <a:bodyPr/>
+            <a:lstStyle/>
+            <a:p>
+              <a:endParaRPr lang="en-PH"/>
+            </a:p>
+          </p:txBody>
         </p:sp>
         <p:sp>
           <p:nvSpPr>
@@ -3536,6 +3557,13 @@
               <a:lin ang="2700000"/>
             </a:gradFill>
           </p:spPr>
+          <p:txBody>
+            <a:bodyPr/>
+            <a:lstStyle/>
+            <a:p>
+              <a:endParaRPr lang="en-PH"/>
+            </a:p>
+          </p:txBody>
         </p:sp>
         <p:sp>
           <p:nvSpPr>
@@ -3630,6 +3658,13 @@
               <a:srgbClr val="FFFFFF"/>
             </a:solidFill>
           </p:spPr>
+          <p:txBody>
+            <a:bodyPr/>
+            <a:lstStyle/>
+            <a:p>
+              <a:endParaRPr lang="en-PH"/>
+            </a:p>
+          </p:txBody>
         </p:sp>
         <p:sp>
           <p:nvSpPr>
@@ -3711,6 +3746,13 @@
             </a:stretch>
           </a:blipFill>
         </p:spPr>
+        <p:txBody>
+          <a:bodyPr/>
+          <a:lstStyle/>
+          <a:p>
+            <a:endParaRPr lang="en-PH"/>
+          </a:p>
+        </p:txBody>
       </p:sp>
       <p:sp>
         <p:nvSpPr>
@@ -3763,6 +3805,13 @@
             </a:stretch>
           </a:blipFill>
         </p:spPr>
+        <p:txBody>
+          <a:bodyPr/>
+          <a:lstStyle/>
+          <a:p>
+            <a:endParaRPr lang="en-PH"/>
+          </a:p>
+        </p:txBody>
       </p:sp>
       <p:sp>
         <p:nvSpPr>
@@ -3815,6 +3864,13 @@
             </a:stretch>
           </a:blipFill>
         </p:spPr>
+        <p:txBody>
+          <a:bodyPr/>
+          <a:lstStyle/>
+          <a:p>
+            <a:endParaRPr lang="en-PH"/>
+          </a:p>
+        </p:txBody>
       </p:sp>
       <p:sp>
         <p:nvSpPr>
@@ -3867,6 +3923,13 @@
             </a:stretch>
           </a:blipFill>
         </p:spPr>
+        <p:txBody>
+          <a:bodyPr/>
+          <a:lstStyle/>
+          <a:p>
+            <a:endParaRPr lang="en-PH"/>
+          </a:p>
+        </p:txBody>
       </p:sp>
       <p:sp>
         <p:nvSpPr>
@@ -3919,6 +3982,13 @@
             </a:stretch>
           </a:blipFill>
         </p:spPr>
+        <p:txBody>
+          <a:bodyPr/>
+          <a:lstStyle/>
+          <a:p>
+            <a:endParaRPr lang="en-PH"/>
+          </a:p>
+        </p:txBody>
       </p:sp>
       <p:sp>
         <p:nvSpPr>
@@ -3943,6 +4013,13 @@
             <a:tailEnd type="none" w="sm" len="sm"/>
           </a:ln>
         </p:spPr>
+        <p:txBody>
+          <a:bodyPr/>
+          <a:lstStyle/>
+          <a:p>
+            <a:endParaRPr lang="en-PH"/>
+          </a:p>
+        </p:txBody>
       </p:sp>
       <p:grpSp>
         <p:nvGrpSpPr>
@@ -4025,6 +4102,13 @@
               <a:round/>
             </a:ln>
           </p:spPr>
+          <p:txBody>
+            <a:bodyPr/>
+            <a:lstStyle/>
+            <a:p>
+              <a:endParaRPr lang="en-PH"/>
+            </a:p>
+          </p:txBody>
         </p:sp>
         <p:sp>
           <p:nvSpPr>
@@ -4106,6 +4190,13 @@
             </a:stretch>
           </a:blipFill>
         </p:spPr>
+        <p:txBody>
+          <a:bodyPr/>
+          <a:lstStyle/>
+          <a:p>
+            <a:endParaRPr lang="en-PH"/>
+          </a:p>
+        </p:txBody>
       </p:sp>
       <p:sp>
         <p:nvSpPr>
@@ -4158,6 +4249,13 @@
             </a:stretch>
           </a:blipFill>
         </p:spPr>
+        <p:txBody>
+          <a:bodyPr/>
+          <a:lstStyle/>
+          <a:p>
+            <a:endParaRPr lang="en-PH"/>
+          </a:p>
+        </p:txBody>
       </p:sp>
       <p:sp>
         <p:nvSpPr>
@@ -4210,6 +4308,13 @@
             </a:stretch>
           </a:blipFill>
         </p:spPr>
+        <p:txBody>
+          <a:bodyPr/>
+          <a:lstStyle/>
+          <a:p>
+            <a:endParaRPr lang="en-PH"/>
+          </a:p>
+        </p:txBody>
       </p:sp>
       <p:grpSp>
         <p:nvGrpSpPr>
@@ -4297,6 +4402,13 @@
               <a:miter/>
             </a:ln>
           </p:spPr>
+          <p:txBody>
+            <a:bodyPr/>
+            <a:lstStyle/>
+            <a:p>
+              <a:endParaRPr lang="en-PH"/>
+            </a:p>
+          </p:txBody>
         </p:sp>
         <p:sp>
           <p:nvSpPr>
@@ -4427,6 +4539,13 @@
               <a:lin ang="2700000"/>
             </a:gradFill>
           </p:spPr>
+          <p:txBody>
+            <a:bodyPr/>
+            <a:lstStyle/>
+            <a:p>
+              <a:endParaRPr lang="en-PH"/>
+            </a:p>
+          </p:txBody>
         </p:sp>
         <p:sp>
           <p:nvSpPr>
@@ -4508,6 +4627,13 @@
             </a:stretch>
           </a:blipFill>
         </p:spPr>
+        <p:txBody>
+          <a:bodyPr/>
+          <a:lstStyle/>
+          <a:p>
+            <a:endParaRPr lang="en-PH"/>
+          </a:p>
+        </p:txBody>
       </p:sp>
       <p:pic>
         <p:nvPicPr>
@@ -4609,6 +4735,13 @@
               <a:lin ang="2700000"/>
             </a:gradFill>
           </p:spPr>
+          <p:txBody>
+            <a:bodyPr/>
+            <a:lstStyle/>
+            <a:p>
+              <a:endParaRPr lang="en-PH"/>
+            </a:p>
+          </p:txBody>
         </p:sp>
         <p:sp>
           <p:nvSpPr>
@@ -4690,6 +4823,13 @@
             </a:stretch>
           </a:blipFill>
         </p:spPr>
+        <p:txBody>
+          <a:bodyPr/>
+          <a:lstStyle/>
+          <a:p>
+            <a:endParaRPr lang="en-PH"/>
+          </a:p>
+        </p:txBody>
       </p:sp>
       <p:pic>
         <p:nvPicPr>
@@ -4791,6 +4931,13 @@
               <a:lin ang="2700000"/>
             </a:gradFill>
           </p:spPr>
+          <p:txBody>
+            <a:bodyPr/>
+            <a:lstStyle/>
+            <a:p>
+              <a:endParaRPr lang="en-PH"/>
+            </a:p>
+          </p:txBody>
         </p:sp>
         <p:sp>
           <p:nvSpPr>
@@ -4872,6 +5019,13 @@
             </a:stretch>
           </a:blipFill>
         </p:spPr>
+        <p:txBody>
+          <a:bodyPr/>
+          <a:lstStyle/>
+          <a:p>
+            <a:endParaRPr lang="en-PH"/>
+          </a:p>
+        </p:txBody>
       </p:sp>
       <p:sp>
         <p:nvSpPr>
@@ -4924,6 +5078,13 @@
             </a:stretch>
           </a:blipFill>
         </p:spPr>
+        <p:txBody>
+          <a:bodyPr/>
+          <a:lstStyle/>
+          <a:p>
+            <a:endParaRPr lang="en-PH"/>
+          </a:p>
+        </p:txBody>
       </p:sp>
       <p:sp>
         <p:nvSpPr>
@@ -4976,6 +5137,13 @@
             </a:stretch>
           </a:blipFill>
         </p:spPr>
+        <p:txBody>
+          <a:bodyPr/>
+          <a:lstStyle/>
+          <a:p>
+            <a:endParaRPr lang="en-PH"/>
+          </a:p>
+        </p:txBody>
       </p:sp>
       <p:sp>
         <p:nvSpPr>
@@ -5028,6 +5196,13 @@
             </a:stretch>
           </a:blipFill>
         </p:spPr>
+        <p:txBody>
+          <a:bodyPr/>
+          <a:lstStyle/>
+          <a:p>
+            <a:endParaRPr lang="en-PH"/>
+          </a:p>
+        </p:txBody>
       </p:sp>
       <p:sp>
         <p:nvSpPr>
@@ -5080,6 +5255,13 @@
             </a:stretch>
           </a:blipFill>
         </p:spPr>
+        <p:txBody>
+          <a:bodyPr/>
+          <a:lstStyle/>
+          <a:p>
+            <a:endParaRPr lang="en-PH"/>
+          </a:p>
+        </p:txBody>
       </p:sp>
       <p:grpSp>
         <p:nvGrpSpPr>
@@ -5172,6 +5354,13 @@
               <a:miter/>
             </a:ln>
           </p:spPr>
+          <p:txBody>
+            <a:bodyPr/>
+            <a:lstStyle/>
+            <a:p>
+              <a:endParaRPr lang="en-PH"/>
+            </a:p>
+          </p:txBody>
         </p:sp>
         <p:sp>
           <p:nvSpPr>
@@ -5324,6 +5513,13 @@
               <a:miter/>
             </a:ln>
           </p:spPr>
+          <p:txBody>
+            <a:bodyPr/>
+            <a:lstStyle/>
+            <a:p>
+              <a:endParaRPr lang="en-PH"/>
+            </a:p>
+          </p:txBody>
         </p:sp>
         <p:sp>
           <p:nvSpPr>
@@ -5452,6 +5648,13 @@
               <a:miter/>
             </a:ln>
           </p:spPr>
+          <p:txBody>
+            <a:bodyPr/>
+            <a:lstStyle/>
+            <a:p>
+              <a:endParaRPr lang="en-PH"/>
+            </a:p>
+          </p:txBody>
         </p:sp>
         <p:sp>
           <p:nvSpPr>
@@ -5590,6 +5793,13 @@
               <a:miter/>
             </a:ln>
           </p:spPr>
+          <p:txBody>
+            <a:bodyPr/>
+            <a:lstStyle/>
+            <a:p>
+              <a:endParaRPr lang="en-PH"/>
+            </a:p>
+          </p:txBody>
         </p:sp>
         <p:sp>
           <p:nvSpPr>
@@ -5671,6 +5881,13 @@
             </a:stretch>
           </a:blipFill>
         </p:spPr>
+        <p:txBody>
+          <a:bodyPr/>
+          <a:lstStyle/>
+          <a:p>
+            <a:endParaRPr lang="en-PH"/>
+          </a:p>
+        </p:txBody>
       </p:sp>
       <p:sp>
         <p:nvSpPr>
@@ -5723,6 +5940,13 @@
             </a:stretch>
           </a:blipFill>
         </p:spPr>
+        <p:txBody>
+          <a:bodyPr/>
+          <a:lstStyle/>
+          <a:p>
+            <a:endParaRPr lang="en-PH"/>
+          </a:p>
+        </p:txBody>
       </p:sp>
       <p:sp>
         <p:nvSpPr>
@@ -5775,6 +5999,13 @@
             </a:stretch>
           </a:blipFill>
         </p:spPr>
+        <p:txBody>
+          <a:bodyPr/>
+          <a:lstStyle/>
+          <a:p>
+            <a:endParaRPr lang="en-PH"/>
+          </a:p>
+        </p:txBody>
       </p:sp>
       <p:grpSp>
         <p:nvGrpSpPr>
@@ -5877,6 +6108,13 @@
               <a:miter/>
             </a:ln>
           </p:spPr>
+          <p:txBody>
+            <a:bodyPr/>
+            <a:lstStyle/>
+            <a:p>
+              <a:endParaRPr lang="en-PH"/>
+            </a:p>
+          </p:txBody>
         </p:sp>
         <p:sp>
           <p:nvSpPr>
@@ -5958,6 +6196,13 @@
             </a:stretch>
           </a:blipFill>
         </p:spPr>
+        <p:txBody>
+          <a:bodyPr/>
+          <a:lstStyle/>
+          <a:p>
+            <a:endParaRPr lang="en-PH"/>
+          </a:p>
+        </p:txBody>
       </p:sp>
       <p:grpSp>
         <p:nvGrpSpPr>
@@ -6057,6 +6302,13 @@
               <a:miter/>
             </a:ln>
           </p:spPr>
+          <p:txBody>
+            <a:bodyPr/>
+            <a:lstStyle/>
+            <a:p>
+              <a:endParaRPr lang="en-PH"/>
+            </a:p>
+          </p:txBody>
         </p:sp>
         <p:sp>
           <p:nvSpPr>
@@ -6185,6 +6437,13 @@
               <a:miter/>
             </a:ln>
           </p:spPr>
+          <p:txBody>
+            <a:bodyPr/>
+            <a:lstStyle/>
+            <a:p>
+              <a:endParaRPr lang="en-PH"/>
+            </a:p>
+          </p:txBody>
         </p:sp>
         <p:sp>
           <p:nvSpPr>
@@ -6286,6 +6545,13 @@
               <a:miter/>
             </a:ln>
           </p:spPr>
+          <p:txBody>
+            <a:bodyPr/>
+            <a:lstStyle/>
+            <a:p>
+              <a:endParaRPr lang="en-PH"/>
+            </a:p>
+          </p:txBody>
         </p:sp>
         <p:sp>
           <p:nvSpPr>
@@ -6414,6 +6680,13 @@
               <a:miter/>
             </a:ln>
           </p:spPr>
+          <p:txBody>
+            <a:bodyPr/>
+            <a:lstStyle/>
+            <a:p>
+              <a:endParaRPr lang="en-PH"/>
+            </a:p>
+          </p:txBody>
         </p:sp>
         <p:sp>
           <p:nvSpPr>
@@ -6542,6 +6815,13 @@
               <a:miter/>
             </a:ln>
           </p:spPr>
+          <p:txBody>
+            <a:bodyPr/>
+            <a:lstStyle/>
+            <a:p>
+              <a:endParaRPr lang="en-PH"/>
+            </a:p>
+          </p:txBody>
         </p:sp>
         <p:sp>
           <p:nvSpPr>
@@ -6643,6 +6923,13 @@
               <a:miter/>
             </a:ln>
           </p:spPr>
+          <p:txBody>
+            <a:bodyPr/>
+            <a:lstStyle/>
+            <a:p>
+              <a:endParaRPr lang="en-PH"/>
+            </a:p>
+          </p:txBody>
         </p:sp>
         <p:sp>
           <p:nvSpPr>
@@ -6774,6 +7061,13 @@
               <a:miter/>
             </a:ln>
           </p:spPr>
+          <p:txBody>
+            <a:bodyPr/>
+            <a:lstStyle/>
+            <a:p>
+              <a:endParaRPr lang="en-PH"/>
+            </a:p>
+          </p:txBody>
         </p:sp>
         <p:sp>
           <p:nvSpPr>
@@ -6855,6 +7149,13 @@
             </a:stretch>
           </a:blipFill>
         </p:spPr>
+        <p:txBody>
+          <a:bodyPr/>
+          <a:lstStyle/>
+          <a:p>
+            <a:endParaRPr lang="en-PH"/>
+          </a:p>
+        </p:txBody>
       </p:sp>
       <p:sp>
         <p:nvSpPr>
@@ -6907,6 +7208,13 @@
             </a:stretch>
           </a:blipFill>
         </p:spPr>
+        <p:txBody>
+          <a:bodyPr/>
+          <a:lstStyle/>
+          <a:p>
+            <a:endParaRPr lang="en-PH"/>
+          </a:p>
+        </p:txBody>
       </p:sp>
       <p:grpSp>
         <p:nvGrpSpPr>
@@ -6972,6 +7280,13 @@
               <a:srgbClr val="44489A"/>
             </a:solidFill>
           </p:spPr>
+          <p:txBody>
+            <a:bodyPr/>
+            <a:lstStyle/>
+            <a:p>
+              <a:endParaRPr lang="en-PH"/>
+            </a:p>
+          </p:txBody>
         </p:sp>
         <p:sp>
           <p:nvSpPr>
@@ -7053,6 +7368,13 @@
             </a:stretch>
           </a:blipFill>
         </p:spPr>
+        <p:txBody>
+          <a:bodyPr/>
+          <a:lstStyle/>
+          <a:p>
+            <a:endParaRPr lang="en-PH"/>
+          </a:p>
+        </p:txBody>
       </p:sp>
       <p:grpSp>
         <p:nvGrpSpPr>
@@ -7118,6 +7440,13 @@
               <a:srgbClr val="38B6FF"/>
             </a:solidFill>
           </p:spPr>
+          <p:txBody>
+            <a:bodyPr/>
+            <a:lstStyle/>
+            <a:p>
+              <a:endParaRPr lang="en-PH"/>
+            </a:p>
+          </p:txBody>
         </p:sp>
         <p:sp>
           <p:nvSpPr>
@@ -7212,6 +7541,13 @@
               <a:srgbClr val="44489A"/>
             </a:solidFill>
           </p:spPr>
+          <p:txBody>
+            <a:bodyPr/>
+            <a:lstStyle/>
+            <a:p>
+              <a:endParaRPr lang="en-PH"/>
+            </a:p>
+          </p:txBody>
         </p:sp>
         <p:sp>
           <p:nvSpPr>
@@ -7306,6 +7642,13 @@
               <a:srgbClr val="38B6FF"/>
             </a:solidFill>
           </p:spPr>
+          <p:txBody>
+            <a:bodyPr/>
+            <a:lstStyle/>
+            <a:p>
+              <a:endParaRPr lang="en-PH"/>
+            </a:p>
+          </p:txBody>
         </p:sp>
         <p:sp>
           <p:nvSpPr>
@@ -7387,6 +7730,13 @@
             </a:stretch>
           </a:blipFill>
         </p:spPr>
+        <p:txBody>
+          <a:bodyPr/>
+          <a:lstStyle/>
+          <a:p>
+            <a:endParaRPr lang="en-PH"/>
+          </a:p>
+        </p:txBody>
       </p:sp>
       <p:sp>
         <p:nvSpPr>
@@ -7439,6 +7789,13 @@
             </a:stretch>
           </a:blipFill>
         </p:spPr>
+        <p:txBody>
+          <a:bodyPr/>
+          <a:lstStyle/>
+          <a:p>
+            <a:endParaRPr lang="en-PH"/>
+          </a:p>
+        </p:txBody>
       </p:sp>
       <p:sp>
         <p:nvSpPr>
@@ -7491,6 +7848,13 @@
             </a:stretch>
           </a:blipFill>
         </p:spPr>
+        <p:txBody>
+          <a:bodyPr/>
+          <a:lstStyle/>
+          <a:p>
+            <a:endParaRPr lang="en-PH"/>
+          </a:p>
+        </p:txBody>
       </p:sp>
       <p:sp>
         <p:nvSpPr>
@@ -7537,6 +7901,13 @@
             </a:stretch>
           </a:blipFill>
         </p:spPr>
+        <p:txBody>
+          <a:bodyPr/>
+          <a:lstStyle/>
+          <a:p>
+            <a:endParaRPr lang="en-PH"/>
+          </a:p>
+        </p:txBody>
       </p:sp>
       <p:sp>
         <p:nvSpPr>
@@ -7583,6 +7954,13 @@
             </a:stretch>
           </a:blipFill>
         </p:spPr>
+        <p:txBody>
+          <a:bodyPr/>
+          <a:lstStyle/>
+          <a:p>
+            <a:endParaRPr lang="en-PH"/>
+          </a:p>
+        </p:txBody>
       </p:sp>
       <p:grpSp>
         <p:nvGrpSpPr>
@@ -7653,6 +8031,13 @@
               </a:stretch>
             </a:blipFill>
           </p:spPr>
+          <p:txBody>
+            <a:bodyPr/>
+            <a:lstStyle/>
+            <a:p>
+              <a:endParaRPr lang="en-PH"/>
+            </a:p>
+          </p:txBody>
         </p:sp>
       </p:grpSp>
       <p:sp>
@@ -7796,6 +8181,13 @@
               <a:lin ang="2700000"/>
             </a:gradFill>
           </p:spPr>
+          <p:txBody>
+            <a:bodyPr/>
+            <a:lstStyle/>
+            <a:p>
+              <a:endParaRPr lang="en-PH"/>
+            </a:p>
+          </p:txBody>
         </p:sp>
         <p:sp>
           <p:nvSpPr>
@@ -7877,6 +8269,13 @@
             </a:stretch>
           </a:blipFill>
         </p:spPr>
+        <p:txBody>
+          <a:bodyPr/>
+          <a:lstStyle/>
+          <a:p>
+            <a:endParaRPr lang="en-PH"/>
+          </a:p>
+        </p:txBody>
       </p:sp>
       <p:pic>
         <p:nvPicPr>
@@ -7978,6 +8377,13 @@
               <a:lin ang="2700000"/>
             </a:gradFill>
           </p:spPr>
+          <p:txBody>
+            <a:bodyPr/>
+            <a:lstStyle/>
+            <a:p>
+              <a:endParaRPr lang="en-PH"/>
+            </a:p>
+          </p:txBody>
         </p:sp>
         <p:sp>
           <p:nvSpPr>
@@ -8059,6 +8465,13 @@
             </a:stretch>
           </a:blipFill>
         </p:spPr>
+        <p:txBody>
+          <a:bodyPr/>
+          <a:lstStyle/>
+          <a:p>
+            <a:endParaRPr lang="en-PH"/>
+          </a:p>
+        </p:txBody>
       </p:sp>
       <p:sp>
         <p:nvSpPr>
@@ -8105,6 +8518,13 @@
             </a:stretch>
           </a:blipFill>
         </p:spPr>
+        <p:txBody>
+          <a:bodyPr/>
+          <a:lstStyle/>
+          <a:p>
+            <a:endParaRPr lang="en-PH"/>
+          </a:p>
+        </p:txBody>
       </p:sp>
       <p:sp>
         <p:nvSpPr>
@@ -9627,6 +10047,13 @@
               <a:srgbClr val="252525"/>
             </a:solidFill>
           </p:spPr>
+          <p:txBody>
+            <a:bodyPr/>
+            <a:lstStyle/>
+            <a:p>
+              <a:endParaRPr lang="en-PH"/>
+            </a:p>
+          </p:txBody>
         </p:sp>
         <p:sp>
           <p:nvSpPr>
@@ -9708,6 +10135,13 @@
             </a:stretch>
           </a:blipFill>
         </p:spPr>
+        <p:txBody>
+          <a:bodyPr/>
+          <a:lstStyle/>
+          <a:p>
+            <a:endParaRPr lang="en-PH"/>
+          </a:p>
+        </p:txBody>
       </p:sp>
       <p:sp>
         <p:nvSpPr>
@@ -9760,6 +10194,13 @@
             </a:stretch>
           </a:blipFill>
         </p:spPr>
+        <p:txBody>
+          <a:bodyPr/>
+          <a:lstStyle/>
+          <a:p>
+            <a:endParaRPr lang="en-PH"/>
+          </a:p>
+        </p:txBody>
       </p:sp>
       <p:grpSp>
         <p:nvGrpSpPr>
@@ -9869,6 +10310,13 @@
               <a:lin ang="2700000"/>
             </a:gradFill>
           </p:spPr>
+          <p:txBody>
+            <a:bodyPr/>
+            <a:lstStyle/>
+            <a:p>
+              <a:endParaRPr lang="en-PH"/>
+            </a:p>
+          </p:txBody>
         </p:sp>
         <p:sp>
           <p:nvSpPr>
@@ -10010,6 +10458,13 @@
               <a:lin ang="2700000"/>
             </a:gradFill>
           </p:spPr>
+          <p:txBody>
+            <a:bodyPr/>
+            <a:lstStyle/>
+            <a:p>
+              <a:endParaRPr lang="en-PH"/>
+            </a:p>
+          </p:txBody>
         </p:sp>
         <p:sp>
           <p:nvSpPr>
@@ -10104,6 +10559,13 @@
               <a:srgbClr val="FFFFFF"/>
             </a:solidFill>
           </p:spPr>
+          <p:txBody>
+            <a:bodyPr/>
+            <a:lstStyle/>
+            <a:p>
+              <a:endParaRPr lang="en-PH"/>
+            </a:p>
+          </p:txBody>
         </p:sp>
         <p:sp>
           <p:nvSpPr>
@@ -10185,6 +10647,13 @@
             </a:stretch>
           </a:blipFill>
         </p:spPr>
+        <p:txBody>
+          <a:bodyPr/>
+          <a:lstStyle/>
+          <a:p>
+            <a:endParaRPr lang="en-PH"/>
+          </a:p>
+        </p:txBody>
       </p:sp>
       <p:sp>
         <p:nvSpPr>
@@ -10237,6 +10706,13 @@
             </a:stretch>
           </a:blipFill>
         </p:spPr>
+        <p:txBody>
+          <a:bodyPr/>
+          <a:lstStyle/>
+          <a:p>
+            <a:endParaRPr lang="en-PH"/>
+          </a:p>
+        </p:txBody>
       </p:sp>
       <p:sp>
         <p:nvSpPr>
@@ -10289,6 +10765,13 @@
             </a:stretch>
           </a:blipFill>
         </p:spPr>
+        <p:txBody>
+          <a:bodyPr/>
+          <a:lstStyle/>
+          <a:p>
+            <a:endParaRPr lang="en-PH"/>
+          </a:p>
+        </p:txBody>
       </p:sp>
       <p:sp>
         <p:nvSpPr>
@@ -10341,6 +10824,13 @@
             </a:stretch>
           </a:blipFill>
         </p:spPr>
+        <p:txBody>
+          <a:bodyPr/>
+          <a:lstStyle/>
+          <a:p>
+            <a:endParaRPr lang="en-PH"/>
+          </a:p>
+        </p:txBody>
       </p:sp>
       <p:sp>
         <p:nvSpPr>
@@ -10393,6 +10883,13 @@
             </a:stretch>
           </a:blipFill>
         </p:spPr>
+        <p:txBody>
+          <a:bodyPr/>
+          <a:lstStyle/>
+          <a:p>
+            <a:endParaRPr lang="en-PH"/>
+          </a:p>
+        </p:txBody>
       </p:sp>
       <p:sp>
         <p:nvSpPr>
@@ -10417,6 +10914,13 @@
             <a:tailEnd type="none" w="sm" len="sm"/>
           </a:ln>
         </p:spPr>
+        <p:txBody>
+          <a:bodyPr/>
+          <a:lstStyle/>
+          <a:p>
+            <a:endParaRPr lang="en-PH"/>
+          </a:p>
+        </p:txBody>
       </p:sp>
       <p:grpSp>
         <p:nvGrpSpPr>
@@ -10499,6 +11003,13 @@
               <a:round/>
             </a:ln>
           </p:spPr>
+          <p:txBody>
+            <a:bodyPr/>
+            <a:lstStyle/>
+            <a:p>
+              <a:endParaRPr lang="en-PH"/>
+            </a:p>
+          </p:txBody>
         </p:sp>
         <p:sp>
           <p:nvSpPr>
@@ -10580,6 +11091,13 @@
             </a:stretch>
           </a:blipFill>
         </p:spPr>
+        <p:txBody>
+          <a:bodyPr/>
+          <a:lstStyle/>
+          <a:p>
+            <a:endParaRPr lang="en-PH"/>
+          </a:p>
+        </p:txBody>
       </p:sp>
       <p:sp>
         <p:nvSpPr>
@@ -10632,6 +11150,13 @@
             </a:stretch>
           </a:blipFill>
         </p:spPr>
+        <p:txBody>
+          <a:bodyPr/>
+          <a:lstStyle/>
+          <a:p>
+            <a:endParaRPr lang="en-PH"/>
+          </a:p>
+        </p:txBody>
       </p:sp>
       <p:sp>
         <p:nvSpPr>
@@ -10684,6 +11209,13 @@
             </a:stretch>
           </a:blipFill>
         </p:spPr>
+        <p:txBody>
+          <a:bodyPr/>
+          <a:lstStyle/>
+          <a:p>
+            <a:endParaRPr lang="en-PH"/>
+          </a:p>
+        </p:txBody>
       </p:sp>
       <p:grpSp>
         <p:nvGrpSpPr>
@@ -10771,6 +11303,13 @@
               <a:miter/>
             </a:ln>
           </p:spPr>
+          <p:txBody>
+            <a:bodyPr/>
+            <a:lstStyle/>
+            <a:p>
+              <a:endParaRPr lang="en-PH"/>
+            </a:p>
+          </p:txBody>
         </p:sp>
         <p:sp>
           <p:nvSpPr>
@@ -10901,6 +11440,13 @@
               <a:lin ang="2700000"/>
             </a:gradFill>
           </p:spPr>
+          <p:txBody>
+            <a:bodyPr/>
+            <a:lstStyle/>
+            <a:p>
+              <a:endParaRPr lang="en-PH"/>
+            </a:p>
+          </p:txBody>
         </p:sp>
         <p:sp>
           <p:nvSpPr>
@@ -10982,6 +11528,13 @@
             </a:stretch>
           </a:blipFill>
         </p:spPr>
+        <p:txBody>
+          <a:bodyPr/>
+          <a:lstStyle/>
+          <a:p>
+            <a:endParaRPr lang="en-PH"/>
+          </a:p>
+        </p:txBody>
       </p:sp>
       <p:pic>
         <p:nvPicPr>
@@ -11083,6 +11636,13 @@
               <a:lin ang="2700000"/>
             </a:gradFill>
           </p:spPr>
+          <p:txBody>
+            <a:bodyPr/>
+            <a:lstStyle/>
+            <a:p>
+              <a:endParaRPr lang="en-PH"/>
+            </a:p>
+          </p:txBody>
         </p:sp>
         <p:sp>
           <p:nvSpPr>
@@ -11164,6 +11724,13 @@
             </a:stretch>
           </a:blipFill>
         </p:spPr>
+        <p:txBody>
+          <a:bodyPr/>
+          <a:lstStyle/>
+          <a:p>
+            <a:endParaRPr lang="en-PH"/>
+          </a:p>
+        </p:txBody>
       </p:sp>
       <p:pic>
         <p:nvPicPr>
@@ -11265,6 +11832,13 @@
               <a:lin ang="2700000"/>
             </a:gradFill>
           </p:spPr>
+          <p:txBody>
+            <a:bodyPr/>
+            <a:lstStyle/>
+            <a:p>
+              <a:endParaRPr lang="en-PH"/>
+            </a:p>
+          </p:txBody>
         </p:sp>
         <p:sp>
           <p:nvSpPr>
@@ -11346,6 +11920,13 @@
             </a:stretch>
           </a:blipFill>
         </p:spPr>
+        <p:txBody>
+          <a:bodyPr/>
+          <a:lstStyle/>
+          <a:p>
+            <a:endParaRPr lang="en-PH"/>
+          </a:p>
+        </p:txBody>
       </p:sp>
       <p:sp>
         <p:nvSpPr>
@@ -11398,6 +11979,13 @@
             </a:stretch>
           </a:blipFill>
         </p:spPr>
+        <p:txBody>
+          <a:bodyPr/>
+          <a:lstStyle/>
+          <a:p>
+            <a:endParaRPr lang="en-PH"/>
+          </a:p>
+        </p:txBody>
       </p:sp>
       <p:grpSp>
         <p:nvGrpSpPr>
@@ -11500,6 +12088,13 @@
               <a:miter/>
             </a:ln>
           </p:spPr>
+          <p:txBody>
+            <a:bodyPr/>
+            <a:lstStyle/>
+            <a:p>
+              <a:endParaRPr lang="en-PH"/>
+            </a:p>
+          </p:txBody>
         </p:sp>
         <p:sp>
           <p:nvSpPr>
@@ -11581,6 +12176,13 @@
             </a:stretch>
           </a:blipFill>
         </p:spPr>
+        <p:txBody>
+          <a:bodyPr/>
+          <a:lstStyle/>
+          <a:p>
+            <a:endParaRPr lang="en-PH"/>
+          </a:p>
+        </p:txBody>
       </p:sp>
       <p:grpSp>
         <p:nvGrpSpPr>
@@ -11680,6 +12282,13 @@
               <a:miter/>
             </a:ln>
           </p:spPr>
+          <p:txBody>
+            <a:bodyPr/>
+            <a:lstStyle/>
+            <a:p>
+              <a:endParaRPr lang="en-PH"/>
+            </a:p>
+          </p:txBody>
         </p:sp>
         <p:sp>
           <p:nvSpPr>
@@ -11808,6 +12417,13 @@
               <a:miter/>
             </a:ln>
           </p:spPr>
+          <p:txBody>
+            <a:bodyPr/>
+            <a:lstStyle/>
+            <a:p>
+              <a:endParaRPr lang="en-PH"/>
+            </a:p>
+          </p:txBody>
         </p:sp>
         <p:sp>
           <p:nvSpPr>
@@ -11909,6 +12525,13 @@
               <a:miter/>
             </a:ln>
           </p:spPr>
+          <p:txBody>
+            <a:bodyPr/>
+            <a:lstStyle/>
+            <a:p>
+              <a:endParaRPr lang="en-PH"/>
+            </a:p>
+          </p:txBody>
         </p:sp>
         <p:sp>
           <p:nvSpPr>
@@ -12037,6 +12660,13 @@
               <a:miter/>
             </a:ln>
           </p:spPr>
+          <p:txBody>
+            <a:bodyPr/>
+            <a:lstStyle/>
+            <a:p>
+              <a:endParaRPr lang="en-PH"/>
+            </a:p>
+          </p:txBody>
         </p:sp>
         <p:sp>
           <p:nvSpPr>
@@ -12165,6 +12795,13 @@
               <a:miter/>
             </a:ln>
           </p:spPr>
+          <p:txBody>
+            <a:bodyPr/>
+            <a:lstStyle/>
+            <a:p>
+              <a:endParaRPr lang="en-PH"/>
+            </a:p>
+          </p:txBody>
         </p:sp>
         <p:sp>
           <p:nvSpPr>
@@ -12266,6 +12903,13 @@
               <a:miter/>
             </a:ln>
           </p:spPr>
+          <p:txBody>
+            <a:bodyPr/>
+            <a:lstStyle/>
+            <a:p>
+              <a:endParaRPr lang="en-PH"/>
+            </a:p>
+          </p:txBody>
         </p:sp>
         <p:sp>
           <p:nvSpPr>
@@ -12347,6 +12991,13 @@
             </a:stretch>
           </a:blipFill>
         </p:spPr>
+        <p:txBody>
+          <a:bodyPr/>
+          <a:lstStyle/>
+          <a:p>
+            <a:endParaRPr lang="en-PH"/>
+          </a:p>
+        </p:txBody>
       </p:sp>
       <p:sp>
         <p:nvSpPr>
@@ -12399,6 +13050,13 @@
             </a:stretch>
           </a:blipFill>
         </p:spPr>
+        <p:txBody>
+          <a:bodyPr/>
+          <a:lstStyle/>
+          <a:p>
+            <a:endParaRPr lang="en-PH"/>
+          </a:p>
+        </p:txBody>
       </p:sp>
       <p:sp>
         <p:nvSpPr>
@@ -12451,6 +13109,13 @@
             </a:stretch>
           </a:blipFill>
         </p:spPr>
+        <p:txBody>
+          <a:bodyPr/>
+          <a:lstStyle/>
+          <a:p>
+            <a:endParaRPr lang="en-PH"/>
+          </a:p>
+        </p:txBody>
       </p:sp>
       <p:sp>
         <p:nvSpPr>
@@ -12503,6 +13168,13 @@
             </a:stretch>
           </a:blipFill>
         </p:spPr>
+        <p:txBody>
+          <a:bodyPr/>
+          <a:lstStyle/>
+          <a:p>
+            <a:endParaRPr lang="en-PH"/>
+          </a:p>
+        </p:txBody>
       </p:sp>
       <p:sp>
         <p:nvSpPr>
@@ -12549,6 +13221,13 @@
             </a:stretch>
           </a:blipFill>
         </p:spPr>
+        <p:txBody>
+          <a:bodyPr/>
+          <a:lstStyle/>
+          <a:p>
+            <a:endParaRPr lang="en-PH"/>
+          </a:p>
+        </p:txBody>
       </p:sp>
       <p:sp>
         <p:nvSpPr>
@@ -12595,6 +13274,13 @@
             </a:stretch>
           </a:blipFill>
         </p:spPr>
+        <p:txBody>
+          <a:bodyPr/>
+          <a:lstStyle/>
+          <a:p>
+            <a:endParaRPr lang="en-PH"/>
+          </a:p>
+        </p:txBody>
       </p:sp>
       <p:grpSp>
         <p:nvGrpSpPr>
@@ -12665,6 +13351,13 @@
               </a:stretch>
             </a:blipFill>
           </p:spPr>
+          <p:txBody>
+            <a:bodyPr/>
+            <a:lstStyle/>
+            <a:p>
+              <a:endParaRPr lang="en-PH"/>
+            </a:p>
+          </p:txBody>
         </p:sp>
       </p:grpSp>
       <p:pic>
@@ -12767,6 +13460,13 @@
               <a:lin ang="2700000"/>
             </a:gradFill>
           </p:spPr>
+          <p:txBody>
+            <a:bodyPr/>
+            <a:lstStyle/>
+            <a:p>
+              <a:endParaRPr lang="en-PH"/>
+            </a:p>
+          </p:txBody>
         </p:sp>
         <p:sp>
           <p:nvSpPr>
@@ -12848,6 +13548,13 @@
             </a:stretch>
           </a:blipFill>
         </p:spPr>
+        <p:txBody>
+          <a:bodyPr/>
+          <a:lstStyle/>
+          <a:p>
+            <a:endParaRPr lang="en-PH"/>
+          </a:p>
+        </p:txBody>
       </p:sp>
       <p:sp>
         <p:nvSpPr>
@@ -12900,6 +13607,13 @@
             </a:stretch>
           </a:blipFill>
         </p:spPr>
+        <p:txBody>
+          <a:bodyPr/>
+          <a:lstStyle/>
+          <a:p>
+            <a:endParaRPr lang="en-PH"/>
+          </a:p>
+        </p:txBody>
       </p:sp>
       <p:sp>
         <p:nvSpPr>
@@ -12946,6 +13660,13 @@
             </a:stretch>
           </a:blipFill>
         </p:spPr>
+        <p:txBody>
+          <a:bodyPr/>
+          <a:lstStyle/>
+          <a:p>
+            <a:endParaRPr lang="en-PH"/>
+          </a:p>
+        </p:txBody>
       </p:sp>
       <p:sp>
         <p:nvSpPr>
@@ -12998,6 +13719,13 @@
             </a:stretch>
           </a:blipFill>
         </p:spPr>
+        <p:txBody>
+          <a:bodyPr/>
+          <a:lstStyle/>
+          <a:p>
+            <a:endParaRPr lang="en-PH"/>
+          </a:p>
+        </p:txBody>
       </p:sp>
       <p:sp>
         <p:nvSpPr>
@@ -13050,6 +13778,13 @@
             </a:stretch>
           </a:blipFill>
         </p:spPr>
+        <p:txBody>
+          <a:bodyPr/>
+          <a:lstStyle/>
+          <a:p>
+            <a:endParaRPr lang="en-PH"/>
+          </a:p>
+        </p:txBody>
       </p:sp>
       <p:sp>
         <p:nvSpPr>
@@ -13107,6 +13842,13 @@
             <a:miter/>
           </a:ln>
         </p:spPr>
+        <p:txBody>
+          <a:bodyPr/>
+          <a:lstStyle/>
+          <a:p>
+            <a:endParaRPr lang="en-PH"/>
+          </a:p>
+        </p:txBody>
       </p:sp>
       <p:sp>
         <p:nvSpPr>

--- a/Bold Blue Modern Accounting Platform Dashboard Desktop Prototype.pptx
+++ b/Bold Blue Modern Accounting Platform Dashboard Desktop Prototype.pptx
@@ -12,32 +12,39 @@
   <p:notesSz cx="6858000" cy="9144000"/>
   <p:embeddedFontLst>
     <p:embeddedFont>
+      <p:font typeface="Calibri" panose="020F0502020204030204" pitchFamily="34" charset="0"/>
+      <p:regular r:id="rId4"/>
+      <p:bold r:id="rId5"/>
+      <p:italic r:id="rId6"/>
+      <p:boldItalic r:id="rId7"/>
+    </p:embeddedFont>
+    <p:embeddedFont>
       <p:font typeface="Lato Heavy" panose="020B0604020202020204" charset="0"/>
-      <p:regular r:id="rId4"/>
+      <p:regular r:id="rId8"/>
     </p:embeddedFont>
     <p:embeddedFont>
       <p:font typeface="Poppins" panose="00000500000000000000" pitchFamily="2" charset="0"/>
-      <p:regular r:id="rId5"/>
+      <p:regular r:id="rId9"/>
     </p:embeddedFont>
     <p:embeddedFont>
       <p:font typeface="Poppins Italics" panose="020B0604020202020204" charset="0"/>
-      <p:regular r:id="rId6"/>
+      <p:regular r:id="rId10"/>
     </p:embeddedFont>
     <p:embeddedFont>
       <p:font typeface="Poppins Light" panose="00000400000000000000" pitchFamily="2" charset="0"/>
-      <p:regular r:id="rId7"/>
+      <p:regular r:id="rId11"/>
     </p:embeddedFont>
     <p:embeddedFont>
       <p:font typeface="Poppins Medium" panose="00000600000000000000" pitchFamily="2" charset="0"/>
-      <p:regular r:id="rId8"/>
+      <p:regular r:id="rId12"/>
     </p:embeddedFont>
     <p:embeddedFont>
       <p:font typeface="Poppins Semi-Bold" panose="020B0604020202020204" charset="0"/>
-      <p:regular r:id="rId9"/>
+      <p:regular r:id="rId13"/>
     </p:embeddedFont>
     <p:embeddedFont>
       <p:font typeface="Sukar Heavy" panose="020B0604020202020204" charset="0"/>
-      <p:regular r:id="rId10"/>
+      <p:regular r:id="rId14"/>
     </p:embeddedFont>
   </p:embeddedFontLst>
   <p:defaultTextStyle>
@@ -334,7 +341,7 @@
             <a:fld id="{1D8BD707-D9CF-40AE-B4C6-C98DA3205C09}" type="datetimeFigureOut">
               <a:rPr lang="en-US" smtClean="0"/>
               <a:pPr/>
-              <a:t>1/23/2025</a:t>
+              <a:t>1/24/2025</a:t>
             </a:fld>
             <a:endParaRPr lang="en-US"/>
           </a:p>
@@ -499,7 +506,7 @@
             <a:fld id="{1D8BD707-D9CF-40AE-B4C6-C98DA3205C09}" type="datetimeFigureOut">
               <a:rPr lang="en-US" smtClean="0"/>
               <a:pPr/>
-              <a:t>1/23/2025</a:t>
+              <a:t>1/24/2025</a:t>
             </a:fld>
             <a:endParaRPr lang="en-US"/>
           </a:p>
@@ -674,7 +681,7 @@
             <a:fld id="{1D8BD707-D9CF-40AE-B4C6-C98DA3205C09}" type="datetimeFigureOut">
               <a:rPr lang="en-US" smtClean="0"/>
               <a:pPr/>
-              <a:t>1/23/2025</a:t>
+              <a:t>1/24/2025</a:t>
             </a:fld>
             <a:endParaRPr lang="en-US"/>
           </a:p>
@@ -839,7 +846,7 @@
             <a:fld id="{1D8BD707-D9CF-40AE-B4C6-C98DA3205C09}" type="datetimeFigureOut">
               <a:rPr lang="en-US" smtClean="0"/>
               <a:pPr/>
-              <a:t>1/23/2025</a:t>
+              <a:t>1/24/2025</a:t>
             </a:fld>
             <a:endParaRPr lang="en-US"/>
           </a:p>
@@ -1081,7 +1088,7 @@
             <a:fld id="{1D8BD707-D9CF-40AE-B4C6-C98DA3205C09}" type="datetimeFigureOut">
               <a:rPr lang="en-US" smtClean="0"/>
               <a:pPr/>
-              <a:t>1/23/2025</a:t>
+              <a:t>1/24/2025</a:t>
             </a:fld>
             <a:endParaRPr lang="en-US"/>
           </a:p>
@@ -1363,7 +1370,7 @@
             <a:fld id="{1D8BD707-D9CF-40AE-B4C6-C98DA3205C09}" type="datetimeFigureOut">
               <a:rPr lang="en-US" smtClean="0"/>
               <a:pPr/>
-              <a:t>1/23/2025</a:t>
+              <a:t>1/24/2025</a:t>
             </a:fld>
             <a:endParaRPr lang="en-US"/>
           </a:p>
@@ -1779,7 +1786,7 @@
             <a:fld id="{1D8BD707-D9CF-40AE-B4C6-C98DA3205C09}" type="datetimeFigureOut">
               <a:rPr lang="en-US" smtClean="0"/>
               <a:pPr/>
-              <a:t>1/23/2025</a:t>
+              <a:t>1/24/2025</a:t>
             </a:fld>
             <a:endParaRPr lang="en-US"/>
           </a:p>
@@ -1893,7 +1900,7 @@
             <a:fld id="{1D8BD707-D9CF-40AE-B4C6-C98DA3205C09}" type="datetimeFigureOut">
               <a:rPr lang="en-US" smtClean="0"/>
               <a:pPr/>
-              <a:t>1/23/2025</a:t>
+              <a:t>1/24/2025</a:t>
             </a:fld>
             <a:endParaRPr lang="en-US"/>
           </a:p>
@@ -1985,7 +1992,7 @@
             <a:fld id="{1D8BD707-D9CF-40AE-B4C6-C98DA3205C09}" type="datetimeFigureOut">
               <a:rPr lang="en-US" smtClean="0"/>
               <a:pPr/>
-              <a:t>1/23/2025</a:t>
+              <a:t>1/24/2025</a:t>
             </a:fld>
             <a:endParaRPr lang="en-US"/>
           </a:p>
@@ -2257,7 +2264,7 @@
             <a:fld id="{1D8BD707-D9CF-40AE-B4C6-C98DA3205C09}" type="datetimeFigureOut">
               <a:rPr lang="en-US" smtClean="0"/>
               <a:pPr/>
-              <a:t>1/23/2025</a:t>
+              <a:t>1/24/2025</a:t>
             </a:fld>
             <a:endParaRPr lang="en-US"/>
           </a:p>
@@ -2506,7 +2513,7 @@
             <a:fld id="{1D8BD707-D9CF-40AE-B4C6-C98DA3205C09}" type="datetimeFigureOut">
               <a:rPr lang="en-US" smtClean="0"/>
               <a:pPr/>
-              <a:t>1/23/2025</a:t>
+              <a:t>1/24/2025</a:t>
             </a:fld>
             <a:endParaRPr lang="en-US"/>
           </a:p>
@@ -2714,7 +2721,7 @@
             <a:fld id="{1D8BD707-D9CF-40AE-B4C6-C98DA3205C09}" type="datetimeFigureOut">
               <a:rPr lang="en-US" smtClean="0"/>
               <a:pPr/>
-              <a:t>1/23/2025</a:t>
+              <a:t>1/24/2025</a:t>
             </a:fld>
             <a:endParaRPr lang="en-US"/>
           </a:p>
